--- a/presentation/story_scenario2Preparing_a.pptx
+++ b/presentation/story_scenario2Preparing_a.pptx
@@ -4856,8 +4856,8 @@
         </p:nvSpPr>
         <p:spPr>
           <a:xfrm>
-            <a:off x="1160929" y="1152250"/>
-            <a:ext cx="4585447" cy="646331"/>
+            <a:off x="1129551" y="442832"/>
+            <a:ext cx="5670178" cy="7294305"/>
           </a:xfrm>
           <a:prstGeom prst="rect">
             <a:avLst/>
@@ -4871,8 +4871,17 @@
           <a:lstStyle/>
           <a:p>
             <a:r>
-              <a:rPr lang="en-AU"/>
-              <a:t>Data sources:</a:t>
+              <a:rPr lang="en-AU" dirty="0"/>
+              <a:t>SCENARIO TWO – PREPARE</a:t>
+            </a:r>
+          </a:p>
+          <a:p>
+            <a:endParaRPr lang="en-AU" dirty="0"/>
+          </a:p>
+          <a:p>
+            <a:r>
+              <a:rPr lang="en-AU" dirty="0"/>
+              <a:t>HOW THE DATA COMES TOGETHER</a:t>
             </a:r>
           </a:p>
           <a:p>
@@ -4880,7 +4889,151 @@
               <a:buFont typeface="Arial" panose="020B0604020202020204" pitchFamily="34" charset="0"/>
               <a:buChar char="•"/>
             </a:pPr>
-            <a:endParaRPr lang="en-AU"/>
+            <a:r>
+              <a:rPr lang="en-AU" dirty="0"/>
+              <a:t>On fine weekend mornings before Fire Danger Season, users get a notification to implement one of the actions they nominated in their Bushfire Preparedness Plan.</a:t>
+            </a:r>
+          </a:p>
+          <a:p>
+            <a:pPr marL="285750" indent="-285750">
+              <a:buFont typeface="Arial" panose="020B0604020202020204" pitchFamily="34" charset="0"/>
+              <a:buChar char="•"/>
+            </a:pPr>
+            <a:r>
+              <a:rPr lang="en-AU" dirty="0"/>
+              <a:t>When they confirm they have completed the action, they receive a badge as a reward.</a:t>
+            </a:r>
+          </a:p>
+          <a:p>
+            <a:pPr marL="285750" indent="-285750">
+              <a:buFont typeface="Arial" panose="020B0604020202020204" pitchFamily="34" charset="0"/>
+              <a:buChar char="•"/>
+            </a:pPr>
+            <a:r>
+              <a:rPr lang="en-AU" dirty="0"/>
+              <a:t>A competitive element is introduced by comparing action against neighbours and by prompting to share badges on </a:t>
+            </a:r>
+            <a:r>
+              <a:rPr lang="en-AU" dirty="0" err="1"/>
+              <a:t>facebook</a:t>
+            </a:r>
+            <a:r>
+              <a:rPr lang="en-AU" dirty="0"/>
+              <a:t>.</a:t>
+            </a:r>
+          </a:p>
+          <a:p>
+            <a:endParaRPr lang="en-AU" dirty="0"/>
+          </a:p>
+          <a:p>
+            <a:r>
+              <a:rPr lang="en-AU" dirty="0"/>
+              <a:t>DATA SOURCES</a:t>
+            </a:r>
+          </a:p>
+          <a:p>
+            <a:pPr marL="285750" indent="-285750">
+              <a:buFont typeface="Arial" panose="020B0604020202020204" pitchFamily="34" charset="0"/>
+              <a:buChar char="•"/>
+            </a:pPr>
+            <a:r>
+              <a:rPr lang="en-AU" dirty="0"/>
+              <a:t>CFS 5min Bushfire Plan</a:t>
+            </a:r>
+          </a:p>
+          <a:p>
+            <a:pPr marL="742950" lvl="1" indent="-285750">
+              <a:buFont typeface="Arial" panose="020B0604020202020204" pitchFamily="34" charset="0"/>
+              <a:buChar char="•"/>
+            </a:pPr>
+            <a:r>
+              <a:rPr lang="en-AU" dirty="0"/>
+              <a:t>User data</a:t>
+            </a:r>
+          </a:p>
+          <a:p>
+            <a:pPr marL="742950" lvl="1" indent="-285750">
+              <a:buFont typeface="Arial" panose="020B0604020202020204" pitchFamily="34" charset="0"/>
+              <a:buChar char="•"/>
+            </a:pPr>
+            <a:r>
+              <a:rPr lang="en-AU" dirty="0"/>
+              <a:t>Neighbour data (anonymous and by permission only – spatially matched)</a:t>
+            </a:r>
+          </a:p>
+          <a:p>
+            <a:pPr marL="285750" indent="-285750">
+              <a:buFont typeface="Arial" panose="020B0604020202020204" pitchFamily="34" charset="0"/>
+              <a:buChar char="•"/>
+            </a:pPr>
+            <a:r>
+              <a:rPr lang="en-AU" dirty="0"/>
+              <a:t>BOM weather data</a:t>
+            </a:r>
+          </a:p>
+          <a:p>
+            <a:pPr marL="742950" lvl="1" indent="-285750">
+              <a:buFont typeface="Arial" panose="020B0604020202020204" pitchFamily="34" charset="0"/>
+              <a:buChar char="•"/>
+            </a:pPr>
+            <a:r>
+              <a:rPr lang="en-AU" dirty="0"/>
+              <a:t>Daily forecast</a:t>
+            </a:r>
+          </a:p>
+          <a:p>
+            <a:pPr marL="285750" indent="-285750">
+              <a:buFont typeface="Arial" panose="020B0604020202020204" pitchFamily="34" charset="0"/>
+              <a:buChar char="•"/>
+            </a:pPr>
+            <a:r>
+              <a:rPr lang="en-AU" dirty="0"/>
+              <a:t>Time and date</a:t>
+            </a:r>
+          </a:p>
+          <a:p>
+            <a:pPr marL="742950" lvl="1" indent="-285750">
+              <a:buFont typeface="Arial" panose="020B0604020202020204" pitchFamily="34" charset="0"/>
+              <a:buChar char="•"/>
+            </a:pPr>
+            <a:r>
+              <a:rPr lang="en-AU" dirty="0"/>
+              <a:t>Weekend days only</a:t>
+            </a:r>
+          </a:p>
+          <a:p>
+            <a:pPr marL="742950" lvl="1" indent="-285750">
+              <a:buFont typeface="Arial" panose="020B0604020202020204" pitchFamily="34" charset="0"/>
+              <a:buChar char="•"/>
+            </a:pPr>
+            <a:r>
+              <a:rPr lang="en-AU" dirty="0"/>
+              <a:t>Morning alerts</a:t>
+            </a:r>
+          </a:p>
+          <a:p>
+            <a:pPr marL="742950" lvl="1" indent="-285750">
+              <a:buFont typeface="Arial" panose="020B0604020202020204" pitchFamily="34" charset="0"/>
+              <a:buChar char="•"/>
+            </a:pPr>
+            <a:r>
+              <a:rPr lang="en-AU" dirty="0"/>
+              <a:t>Days prior to Fire Danger Season</a:t>
+            </a:r>
+          </a:p>
+          <a:p>
+            <a:pPr marL="742950" lvl="1" indent="-285750">
+              <a:buFont typeface="Arial" panose="020B0604020202020204" pitchFamily="34" charset="0"/>
+              <a:buChar char="•"/>
+            </a:pPr>
+            <a:endParaRPr lang="en-AU" dirty="0"/>
+          </a:p>
+          <a:p>
+            <a:pPr marL="285750" indent="-285750">
+              <a:buFont typeface="Arial" panose="020B0604020202020204" pitchFamily="34" charset="0"/>
+              <a:buChar char="•"/>
+            </a:pPr>
+            <a:endParaRPr lang="en-AU" dirty="0"/>
           </a:p>
         </p:txBody>
       </p:sp>
